--- a/curso/modulo3capitulo4.pptx
+++ b/curso/modulo3capitulo4.pptx
@@ -41,6 +41,9 @@
     <p:sldId id="397" r:id="rId36"/>
     <p:sldId id="399" r:id="rId37"/>
     <p:sldId id="398" r:id="rId38"/>
+    <p:sldId id="419" r:id="rId39"/>
+    <p:sldId id="418" r:id="rId40"/>
+    <p:sldId id="417" r:id="rId41"/>
   </p:sldIdLst>
   <p:sldSz cx="9144000" cy="6858000" type="screen4x3"/>
   <p:notesSz cx="6858000" cy="9144000"/>
@@ -7835,6 +7838,366 @@
           </a:prstGeom>
         </p:spPr>
       </p:pic>
+    </p:spTree>
+  </p:cSld>
+  <p:clrMapOvr>
+    <a:masterClrMapping/>
+  </p:clrMapOvr>
+</p:sld>
+</file>
+
+<file path=ppt/slides/slide37.xml><?xml version="1.0" encoding="utf-8"?>
+<p:sld xmlns:a="http://schemas.openxmlformats.org/drawingml/2006/main" xmlns:r="http://schemas.openxmlformats.org/officeDocument/2006/relationships" xmlns:p="http://schemas.openxmlformats.org/presentationml/2006/main">
+  <p:cSld>
+    <p:spTree>
+      <p:nvGrpSpPr>
+        <p:cNvPr id="1" name=""/>
+        <p:cNvGrpSpPr/>
+        <p:nvPr/>
+      </p:nvGrpSpPr>
+      <p:grpSpPr/>
+      <p:sp>
+        <p:nvSpPr>
+          <p:cNvPr id="2" name="Title 1"/>
+          <p:cNvSpPr>
+            <a:spLocks noGrp="1"/>
+          </p:cNvSpPr>
+          <p:nvPr>
+            <p:ph type="title"/>
+          </p:nvPr>
+        </p:nvSpPr>
+        <p:spPr/>
+        <p:txBody>
+          <a:bodyPr/>
+          <a:p>
+            <a:r>
+              <a:rPr lang="x-none" altLang="pt-BR"/>
+              <a:t>Spartacus.Database</a:t>
+            </a:r>
+            <a:endParaRPr lang="x-none" altLang="pt-BR"/>
+          </a:p>
+        </p:txBody>
+      </p:sp>
+      <p:sp>
+        <p:nvSpPr>
+          <p:cNvPr id="3" name="Content Placeholder 2"/>
+          <p:cNvSpPr>
+            <a:spLocks noGrp="1"/>
+          </p:cNvSpPr>
+          <p:nvPr>
+            <p:ph idx="1"/>
+          </p:nvPr>
+        </p:nvSpPr>
+        <p:spPr/>
+        <p:txBody>
+          <a:bodyPr>
+            <a:normAutofit lnSpcReduction="20000"/>
+          </a:bodyPr>
+          <a:p>
+            <a:r>
+              <a:rPr lang="x-none" altLang="pt-BR"/>
+              <a:t>Spartacus.Database.Generic</a:t>
+            </a:r>
+            <a:endParaRPr lang="x-none" altLang="pt-BR"/>
+          </a:p>
+          <a:p>
+            <a:r>
+              <a:rPr lang="x-none" altLang="pt-BR"/>
+              <a:t>Spartacus.Database.Exception</a:t>
+            </a:r>
+            <a:endParaRPr lang="x-none" altLang="pt-BR"/>
+          </a:p>
+          <a:p>
+            <a:r>
+              <a:rPr lang="x-none" altLang="pt-BR"/>
+              <a:t>Query</a:t>
+            </a:r>
+            <a:endParaRPr lang="x-none" altLang="pt-BR"/>
+          </a:p>
+          <a:p>
+            <a:r>
+              <a:rPr lang="x-none" altLang="pt-BR"/>
+              <a:t>Execute</a:t>
+            </a:r>
+            <a:endParaRPr lang="x-none" altLang="pt-BR"/>
+          </a:p>
+          <a:p>
+            <a:r>
+              <a:rPr lang="x-none" altLang="pt-BR"/>
+              <a:t>ExecuteScalar</a:t>
+            </a:r>
+            <a:endParaRPr lang="x-none" altLang="pt-BR"/>
+          </a:p>
+          <a:p>
+            <a:r>
+              <a:rPr lang="x-none" altLang="pt-BR"/>
+              <a:t>Open</a:t>
+            </a:r>
+            <a:endParaRPr lang="x-none" altLang="pt-BR"/>
+          </a:p>
+          <a:p>
+            <a:r>
+              <a:rPr lang="x-none" altLang="pt-BR"/>
+              <a:t>Close</a:t>
+            </a:r>
+            <a:endParaRPr lang="x-none" altLang="pt-BR"/>
+          </a:p>
+          <a:p>
+            <a:r>
+              <a:rPr lang="x-none" altLang="pt-BR"/>
+              <a:t>CreateDatabase</a:t>
+            </a:r>
+            <a:endParaRPr lang="x-none" altLang="pt-BR"/>
+          </a:p>
+          <a:p>
+            <a:r>
+              <a:rPr lang="x-none" altLang="pt-BR"/>
+              <a:t>DropDatabase</a:t>
+            </a:r>
+            <a:endParaRPr lang="x-none" altLang="pt-BR"/>
+          </a:p>
+        </p:txBody>
+      </p:sp>
+    </p:spTree>
+  </p:cSld>
+  <p:clrMapOvr>
+    <a:masterClrMapping/>
+  </p:clrMapOvr>
+</p:sld>
+</file>
+
+<file path=ppt/slides/slide38.xml><?xml version="1.0" encoding="utf-8"?>
+<p:sld xmlns:a="http://schemas.openxmlformats.org/drawingml/2006/main" xmlns:r="http://schemas.openxmlformats.org/officeDocument/2006/relationships" xmlns:p="http://schemas.openxmlformats.org/presentationml/2006/main">
+  <p:cSld>
+    <p:spTree>
+      <p:nvGrpSpPr>
+        <p:cNvPr id="1" name=""/>
+        <p:cNvGrpSpPr/>
+        <p:nvPr/>
+      </p:nvGrpSpPr>
+      <p:grpSpPr/>
+      <p:sp>
+        <p:nvSpPr>
+          <p:cNvPr id="2" name="Title 1"/>
+          <p:cNvSpPr>
+            <a:spLocks noGrp="1"/>
+          </p:cNvSpPr>
+          <p:nvPr>
+            <p:ph type="title"/>
+          </p:nvPr>
+        </p:nvSpPr>
+        <p:spPr/>
+        <p:txBody>
+          <a:bodyPr/>
+          <a:p>
+            <a:r>
+              <a:rPr lang="x-none" altLang="pt-BR"/>
+              <a:t>Spartacus.Database</a:t>
+            </a:r>
+            <a:endParaRPr lang="x-none" altLang="pt-BR"/>
+          </a:p>
+        </p:txBody>
+      </p:sp>
+      <p:sp>
+        <p:nvSpPr>
+          <p:cNvPr id="3" name="Content Placeholder 2"/>
+          <p:cNvSpPr>
+            <a:spLocks noGrp="1"/>
+          </p:cNvSpPr>
+          <p:nvPr>
+            <p:ph idx="1"/>
+          </p:nvPr>
+        </p:nvSpPr>
+        <p:spPr/>
+        <p:txBody>
+          <a:bodyPr>
+            <a:normAutofit lnSpcReduction="10000"/>
+          </a:bodyPr>
+          <a:p>
+            <a:r>
+              <a:rPr lang="x-none" altLang="pt-BR" sz="3000">
+                <a:sym typeface="+mn-ea"/>
+              </a:rPr>
+              <a:t>Command</a:t>
+            </a:r>
+            <a:endParaRPr lang="x-none" altLang="pt-BR" sz="3000"/>
+          </a:p>
+          <a:p>
+            <a:pPr lvl="1"/>
+            <a:r>
+              <a:rPr lang="x-none" altLang="pt-BR" sz="3000">
+                <a:sym typeface="+mn-ea"/>
+              </a:rPr>
+              <a:t>Permite reaproveitar a string SQL</a:t>
+            </a:r>
+            <a:endParaRPr lang="x-none" altLang="pt-BR" sz="3000"/>
+          </a:p>
+          <a:p>
+            <a:pPr lvl="1"/>
+            <a:r>
+              <a:rPr lang="x-none" altLang="pt-BR" sz="3000">
+                <a:sym typeface="+mn-ea"/>
+              </a:rPr>
+              <a:t>Utiliza vários Parameters</a:t>
+            </a:r>
+            <a:endParaRPr lang="x-none" altLang="pt-BR" sz="3000">
+              <a:sym typeface="+mn-ea"/>
+            </a:endParaRPr>
+          </a:p>
+          <a:p>
+            <a:pPr lvl="0"/>
+            <a:r>
+              <a:rPr lang="x-none" altLang="pt-BR"/>
+              <a:t>QueryHtml</a:t>
+            </a:r>
+            <a:endParaRPr lang="x-none" altLang="pt-BR"/>
+          </a:p>
+          <a:p>
+            <a:pPr lvl="1"/>
+            <a:r>
+              <a:rPr lang="x-none" altLang="pt-BR"/>
+              <a:t>Retorno em uma string HTML</a:t>
+            </a:r>
+            <a:endParaRPr lang="x-none" altLang="pt-BR"/>
+          </a:p>
+          <a:p>
+            <a:pPr lvl="0"/>
+            <a:r>
+              <a:rPr lang="x-none" altLang="pt-BR"/>
+              <a:t>QueryBlock</a:t>
+            </a:r>
+            <a:endParaRPr lang="x-none" altLang="pt-BR"/>
+          </a:p>
+          <a:p>
+            <a:pPr lvl="1"/>
+            <a:r>
+              <a:rPr lang="x-none" altLang="pt-BR"/>
+              <a:t>Útil para paginação</a:t>
+            </a:r>
+            <a:endParaRPr lang="x-none" altLang="pt-BR"/>
+          </a:p>
+          <a:p>
+            <a:pPr lvl="0"/>
+            <a:r>
+              <a:rPr lang="x-none" altLang="pt-BR"/>
+              <a:t>InsertBlock</a:t>
+            </a:r>
+            <a:endParaRPr lang="x-none" altLang="pt-BR"/>
+          </a:p>
+          <a:p>
+            <a:pPr lvl="1"/>
+            <a:r>
+              <a:rPr lang="x-none" altLang="pt-BR"/>
+              <a:t>Permite inserção em massa</a:t>
+            </a:r>
+            <a:endParaRPr lang="x-none" altLang="pt-BR"/>
+          </a:p>
+        </p:txBody>
+      </p:sp>
+    </p:spTree>
+  </p:cSld>
+  <p:clrMapOvr>
+    <a:masterClrMapping/>
+  </p:clrMapOvr>
+</p:sld>
+</file>
+
+<file path=ppt/slides/slide39.xml><?xml version="1.0" encoding="utf-8"?>
+<p:sld xmlns:a="http://schemas.openxmlformats.org/drawingml/2006/main" xmlns:r="http://schemas.openxmlformats.org/officeDocument/2006/relationships" xmlns:p="http://schemas.openxmlformats.org/presentationml/2006/main">
+  <p:cSld>
+    <p:spTree>
+      <p:nvGrpSpPr>
+        <p:cNvPr id="1" name=""/>
+        <p:cNvGrpSpPr/>
+        <p:nvPr/>
+      </p:nvGrpSpPr>
+      <p:grpSpPr/>
+      <p:sp>
+        <p:nvSpPr>
+          <p:cNvPr id="2" name="Title 1"/>
+          <p:cNvSpPr>
+            <a:spLocks noGrp="1"/>
+          </p:cNvSpPr>
+          <p:nvPr>
+            <p:ph type="title"/>
+          </p:nvPr>
+        </p:nvSpPr>
+        <p:spPr/>
+        <p:txBody>
+          <a:bodyPr/>
+          <a:p>
+            <a:r>
+              <a:rPr lang="x-none" altLang="pt-BR"/>
+              <a:t>Spartacus.Database</a:t>
+            </a:r>
+            <a:endParaRPr lang="x-none" altLang="pt-BR"/>
+          </a:p>
+        </p:txBody>
+      </p:sp>
+      <p:sp>
+        <p:nvSpPr>
+          <p:cNvPr id="3" name="Content Placeholder 2"/>
+          <p:cNvSpPr>
+            <a:spLocks noGrp="1"/>
+          </p:cNvSpPr>
+          <p:nvPr>
+            <p:ph idx="1"/>
+          </p:nvPr>
+        </p:nvSpPr>
+        <p:spPr/>
+        <p:txBody>
+          <a:bodyPr>
+            <a:normAutofit/>
+          </a:bodyPr>
+          <a:p>
+            <a:r>
+              <a:rPr lang="x-none" altLang="pt-BR"/>
+              <a:t>Transfer</a:t>
+            </a:r>
+            <a:endParaRPr lang="x-none" altLang="pt-BR"/>
+          </a:p>
+          <a:p>
+            <a:pPr lvl="1"/>
+            <a:r>
+              <a:rPr lang="x-none" altLang="pt-BR"/>
+              <a:t>Permite transferir dados de um banco para outro</a:t>
+            </a:r>
+            <a:endParaRPr lang="x-none" altLang="pt-BR"/>
+          </a:p>
+          <a:p>
+            <a:pPr lvl="0"/>
+            <a:r>
+              <a:rPr lang="x-none" altLang="pt-BR"/>
+              <a:t>TransferFromFile</a:t>
+            </a:r>
+            <a:endParaRPr lang="x-none" altLang="pt-BR"/>
+          </a:p>
+          <a:p>
+            <a:pPr lvl="1"/>
+            <a:r>
+              <a:rPr lang="x-none" altLang="pt-BR"/>
+              <a:t>Permite transferir dados de arquivos CSV, XLSX e DBF para dentro de uma tabela</a:t>
+            </a:r>
+            <a:endParaRPr lang="x-none" altLang="pt-BR"/>
+          </a:p>
+          <a:p>
+            <a:pPr lvl="0"/>
+            <a:r>
+              <a:rPr lang="x-none" altLang="pt-BR"/>
+              <a:t>TransferToFile</a:t>
+            </a:r>
+            <a:endParaRPr lang="x-none" altLang="pt-BR"/>
+          </a:p>
+          <a:p>
+            <a:pPr lvl="1"/>
+            <a:r>
+              <a:rPr lang="x-none" altLang="pt-BR"/>
+              <a:t>Permite transferir dados de uma consulta para arquivos CSV, XLSX e DBF</a:t>
+            </a:r>
+            <a:endParaRPr lang="x-none" altLang="pt-BR"/>
+          </a:p>
+        </p:txBody>
+      </p:sp>
     </p:spTree>
   </p:cSld>
   <p:clrMapOvr>

--- a/curso/modulo3capitulo4.pptx
+++ b/curso/modulo3capitulo4.pptx
@@ -44,6 +44,9 @@
     <p:sldId id="419" r:id="rId39"/>
     <p:sldId id="418" r:id="rId40"/>
     <p:sldId id="417" r:id="rId41"/>
+    <p:sldId id="424" r:id="rId42"/>
+    <p:sldId id="422" r:id="rId43"/>
+    <p:sldId id="423" r:id="rId44"/>
   </p:sldIdLst>
   <p:sldSz cx="9144000" cy="6858000" type="screen4x3"/>
   <p:notesSz cx="6858000" cy="9144000"/>
@@ -5442,6 +5445,20 @@
             </a:r>
             <a:endParaRPr lang="x-none" altLang="pt-BR"/>
           </a:p>
+          <a:p>
+            <a:r>
+              <a:rPr lang="x-none" altLang="pt-BR"/>
+              <a:t>Spartacus.Forms</a:t>
+            </a:r>
+            <a:endParaRPr lang="x-none" altLang="pt-BR"/>
+          </a:p>
+          <a:p>
+            <a:r>
+              <a:rPr lang="x-none" altLang="pt-BR"/>
+              <a:t>Spartacus.Reporting</a:t>
+            </a:r>
+            <a:endParaRPr lang="x-none" altLang="pt-BR"/>
+          </a:p>
         </p:txBody>
       </p:sp>
     </p:spTree>
@@ -7357,6 +7374,14 @@
             <a:pPr lvl="0"/>
             <a:r>
               <a:rPr lang="x-none" altLang="pt-BR"/>
+              <a:t>Mariadb</a:t>
+            </a:r>
+            <a:endParaRPr lang="x-none" altLang="pt-BR"/>
+          </a:p>
+          <a:p>
+            <a:pPr lvl="0"/>
+            <a:r>
+              <a:rPr lang="x-none" altLang="pt-BR"/>
               <a:t>Memory</a:t>
             </a:r>
             <a:endParaRPr lang="x-none" altLang="pt-BR"/>
@@ -8264,6 +8289,365 @@
           </a:prstGeom>
         </p:spPr>
       </p:pic>
+    </p:spTree>
+  </p:cSld>
+  <p:clrMapOvr>
+    <a:masterClrMapping/>
+  </p:clrMapOvr>
+</p:sld>
+</file>
+
+<file path=ppt/slides/slide40.xml><?xml version="1.0" encoding="utf-8"?>
+<p:sld xmlns:a="http://schemas.openxmlformats.org/drawingml/2006/main" xmlns:r="http://schemas.openxmlformats.org/officeDocument/2006/relationships" xmlns:p="http://schemas.openxmlformats.org/presentationml/2006/main">
+  <p:cSld>
+    <p:spTree>
+      <p:nvGrpSpPr>
+        <p:cNvPr id="1" name=""/>
+        <p:cNvGrpSpPr/>
+        <p:nvPr/>
+      </p:nvGrpSpPr>
+      <p:grpSpPr/>
+      <p:sp>
+        <p:nvSpPr>
+          <p:cNvPr id="2" name="Title 1"/>
+          <p:cNvSpPr>
+            <a:spLocks noGrp="1"/>
+          </p:cNvSpPr>
+          <p:nvPr>
+            <p:ph type="title"/>
+          </p:nvPr>
+        </p:nvSpPr>
+        <p:spPr/>
+        <p:txBody>
+          <a:bodyPr/>
+          <a:p>
+            <a:r>
+              <a:rPr lang="x-none" altLang="pt-BR"/>
+              <a:t>Spartacus.Forms</a:t>
+            </a:r>
+            <a:endParaRPr lang="x-none" altLang="pt-BR"/>
+          </a:p>
+        </p:txBody>
+      </p:sp>
+      <p:sp>
+        <p:nvSpPr>
+          <p:cNvPr id="3" name="Content Placeholder 2"/>
+          <p:cNvSpPr>
+            <a:spLocks noGrp="1"/>
+          </p:cNvSpPr>
+          <p:nvPr>
+            <p:ph idx="1"/>
+          </p:nvPr>
+        </p:nvSpPr>
+        <p:spPr/>
+        <p:txBody>
+          <a:bodyPr>
+            <a:normAutofit lnSpcReduction="20000"/>
+          </a:bodyPr>
+          <a:p>
+            <a:r>
+              <a:rPr lang="x-none" altLang="pt-BR">
+                <a:solidFill>
+                  <a:srgbClr val="92D050"/>
+                </a:solidFill>
+              </a:rPr>
+              <a:t>Simplifica </a:t>
+            </a:r>
+            <a:r>
+              <a:rPr lang="x-none" altLang="pt-BR"/>
+              <a:t>o uso de </a:t>
+            </a:r>
+            <a:r>
+              <a:rPr lang="x-none" altLang="pt-BR">
+                <a:solidFill>
+                  <a:srgbClr val="92D050"/>
+                </a:solidFill>
+              </a:rPr>
+              <a:t>Windows Forms</a:t>
+            </a:r>
+            <a:endParaRPr lang="x-none" altLang="pt-BR">
+              <a:solidFill>
+                <a:srgbClr val="92D050"/>
+              </a:solidFill>
+            </a:endParaRPr>
+          </a:p>
+          <a:p>
+            <a:r>
+              <a:rPr lang="x-none" altLang="pt-BR"/>
+              <a:t>Roda no Linux, Windows e Mac OS X</a:t>
+            </a:r>
+            <a:endParaRPr lang="x-none" altLang="pt-BR"/>
+          </a:p>
+          <a:p>
+            <a:r>
+              <a:rPr lang="x-none" altLang="pt-BR"/>
+              <a:t>Não requer o uso de "UI Designer"</a:t>
+            </a:r>
+            <a:endParaRPr lang="x-none" altLang="pt-BR"/>
+          </a:p>
+          <a:p>
+            <a:r>
+              <a:rPr lang="x-none" altLang="pt-BR"/>
+              <a:t>No momento, não permite detalhes visuais</a:t>
+            </a:r>
+            <a:endParaRPr lang="x-none" altLang="pt-BR"/>
+          </a:p>
+          <a:p>
+            <a:r>
+              <a:rPr lang="x-none" altLang="pt-BR"/>
+              <a:t>Foca na </a:t>
+            </a:r>
+            <a:r>
+              <a:rPr lang="x-none" altLang="pt-BR">
+                <a:solidFill>
+                  <a:srgbClr val="92D050"/>
+                </a:solidFill>
+              </a:rPr>
+              <a:t>funcionalidade</a:t>
+            </a:r>
+            <a:endParaRPr lang="x-none" altLang="pt-BR">
+              <a:solidFill>
+                <a:srgbClr val="92D050"/>
+              </a:solidFill>
+            </a:endParaRPr>
+          </a:p>
+          <a:p>
+            <a:r>
+              <a:rPr lang="x-none" altLang="pt-BR"/>
+              <a:t>Para usar, precisa referenciar:</a:t>
+            </a:r>
+            <a:endParaRPr lang="x-none" altLang="pt-BR"/>
+          </a:p>
+          <a:p>
+            <a:pPr lvl="1"/>
+            <a:r>
+              <a:rPr lang="x-none" altLang="pt-BR"/>
+              <a:t>System.Drawing.dll</a:t>
+            </a:r>
+            <a:endParaRPr lang="x-none" altLang="pt-BR"/>
+          </a:p>
+          <a:p>
+            <a:pPr lvl="1"/>
+            <a:r>
+              <a:rPr lang="x-none" altLang="pt-BR"/>
+              <a:t>System.Windows.Forms.dll</a:t>
+            </a:r>
+            <a:endParaRPr lang="x-none" altLang="pt-BR"/>
+          </a:p>
+          <a:p>
+            <a:pPr lvl="1"/>
+            <a:r>
+              <a:rPr lang="x-none" altLang="pt-BR"/>
+              <a:t>Spartacus.dll</a:t>
+            </a:r>
+            <a:endParaRPr lang="x-none" altLang="pt-BR"/>
+          </a:p>
+        </p:txBody>
+      </p:sp>
+    </p:spTree>
+  </p:cSld>
+  <p:clrMapOvr>
+    <a:masterClrMapping/>
+  </p:clrMapOvr>
+</p:sld>
+</file>
+
+<file path=ppt/slides/slide41.xml><?xml version="1.0" encoding="utf-8"?>
+<p:sld xmlns:a="http://schemas.openxmlformats.org/drawingml/2006/main" xmlns:r="http://schemas.openxmlformats.org/officeDocument/2006/relationships" xmlns:p="http://schemas.openxmlformats.org/presentationml/2006/main">
+  <p:cSld>
+    <p:spTree>
+      <p:nvGrpSpPr>
+        <p:cNvPr id="1" name=""/>
+        <p:cNvGrpSpPr/>
+        <p:nvPr/>
+      </p:nvGrpSpPr>
+      <p:grpSpPr/>
+      <p:sp>
+        <p:nvSpPr>
+          <p:cNvPr id="2" name="Title 1"/>
+          <p:cNvSpPr>
+            <a:spLocks noGrp="1"/>
+          </p:cNvSpPr>
+          <p:nvPr>
+            <p:ph type="title"/>
+          </p:nvPr>
+        </p:nvSpPr>
+        <p:spPr/>
+        <p:txBody>
+          <a:bodyPr/>
+          <a:p>
+            <a:r>
+              <a:rPr lang="x-none" altLang="pt-BR"/>
+              <a:t>Spartacus.Forms</a:t>
+            </a:r>
+            <a:endParaRPr lang="x-none" altLang="pt-BR"/>
+          </a:p>
+        </p:txBody>
+      </p:sp>
+      <p:pic>
+        <p:nvPicPr>
+          <p:cNvPr id="4" name="Content Placeholder 3" descr="M3C4_SpartacusForms"/>
+          <p:cNvPicPr>
+            <a:picLocks noChangeAspect="1"/>
+          </p:cNvPicPr>
+          <p:nvPr>
+            <p:ph idx="1"/>
+          </p:nvPr>
+        </p:nvPicPr>
+        <p:blipFill>
+          <a:blip r:embed="rId1"/>
+          <a:stretch>
+            <a:fillRect/>
+          </a:stretch>
+        </p:blipFill>
+        <p:spPr>
+          <a:xfrm>
+            <a:off x="3058795" y="1341120"/>
+            <a:ext cx="2980055" cy="5392420"/>
+          </a:xfrm>
+          <a:prstGeom prst="rect">
+            <a:avLst/>
+          </a:prstGeom>
+        </p:spPr>
+      </p:pic>
+    </p:spTree>
+  </p:cSld>
+  <p:clrMapOvr>
+    <a:masterClrMapping/>
+  </p:clrMapOvr>
+</p:sld>
+</file>
+
+<file path=ppt/slides/slide42.xml><?xml version="1.0" encoding="utf-8"?>
+<p:sld xmlns:a="http://schemas.openxmlformats.org/drawingml/2006/main" xmlns:r="http://schemas.openxmlformats.org/officeDocument/2006/relationships" xmlns:p="http://schemas.openxmlformats.org/presentationml/2006/main">
+  <p:cSld>
+    <p:spTree>
+      <p:nvGrpSpPr>
+        <p:cNvPr id="1" name=""/>
+        <p:cNvGrpSpPr/>
+        <p:nvPr/>
+      </p:nvGrpSpPr>
+      <p:grpSpPr/>
+      <p:sp>
+        <p:nvSpPr>
+          <p:cNvPr id="2" name="Title 1"/>
+          <p:cNvSpPr>
+            <a:spLocks noGrp="1"/>
+          </p:cNvSpPr>
+          <p:nvPr>
+            <p:ph type="title"/>
+          </p:nvPr>
+        </p:nvSpPr>
+        <p:spPr/>
+        <p:txBody>
+          <a:bodyPr/>
+          <a:p>
+            <a:r>
+              <a:rPr lang="x-none" altLang="pt-BR"/>
+              <a:t>Spartacus.Forms</a:t>
+            </a:r>
+            <a:endParaRPr lang="x-none" altLang="pt-BR"/>
+          </a:p>
+        </p:txBody>
+      </p:sp>
+      <p:sp>
+        <p:nvSpPr>
+          <p:cNvPr id="3" name="Content Placeholder 2"/>
+          <p:cNvSpPr>
+            <a:spLocks noGrp="1"/>
+          </p:cNvSpPr>
+          <p:nvPr>
+            <p:ph idx="1"/>
+          </p:nvPr>
+        </p:nvSpPr>
+        <p:spPr/>
+        <p:txBody>
+          <a:bodyPr/>
+          <a:p>
+            <a:r>
+              <a:rPr lang="x-none" altLang="pt-BR"/>
+              <a:t>Vamos criar um aplicativo simples para </a:t>
+            </a:r>
+            <a:r>
+              <a:rPr lang="x-none" altLang="pt-BR">
+                <a:solidFill>
+                  <a:srgbClr val="92D050"/>
+                </a:solidFill>
+              </a:rPr>
+              <a:t>controle de finanças pessoais</a:t>
+            </a:r>
+            <a:r>
+              <a:rPr lang="x-none" altLang="pt-BR"/>
+              <a:t>?</a:t>
+            </a:r>
+            <a:endParaRPr lang="x-none" altLang="pt-BR"/>
+          </a:p>
+          <a:p>
+            <a:pPr lvl="1"/>
+            <a:r>
+              <a:rPr lang="x-none" altLang="pt-BR"/>
+              <a:t>Banco de dados SQLite</a:t>
+            </a:r>
+            <a:endParaRPr lang="x-none" altLang="pt-BR"/>
+          </a:p>
+          <a:p>
+            <a:pPr lvl="2"/>
+            <a:r>
+              <a:rPr lang="x-none" altLang="pt-BR"/>
+              <a:t>Tabela de </a:t>
+            </a:r>
+            <a:r>
+              <a:rPr lang="x-none" altLang="pt-BR">
+                <a:solidFill>
+                  <a:srgbClr val="92D050"/>
+                </a:solidFill>
+              </a:rPr>
+              <a:t>agentes</a:t>
+            </a:r>
+            <a:endParaRPr lang="x-none" altLang="pt-BR">
+              <a:solidFill>
+                <a:srgbClr val="92D050"/>
+              </a:solidFill>
+            </a:endParaRPr>
+          </a:p>
+          <a:p>
+            <a:pPr lvl="2"/>
+            <a:r>
+              <a:rPr lang="x-none" altLang="pt-BR"/>
+              <a:t>Tabela de </a:t>
+            </a:r>
+            <a:r>
+              <a:rPr lang="x-none" altLang="pt-BR">
+                <a:solidFill>
+                  <a:srgbClr val="92D050"/>
+                </a:solidFill>
+              </a:rPr>
+              <a:t>movimentação financeira</a:t>
+            </a:r>
+            <a:endParaRPr lang="x-none" altLang="pt-BR">
+              <a:solidFill>
+                <a:srgbClr val="92D050"/>
+              </a:solidFill>
+            </a:endParaRPr>
+          </a:p>
+          <a:p>
+            <a:pPr lvl="1"/>
+            <a:r>
+              <a:rPr lang="x-none" altLang="pt-BR"/>
+              <a:t>Spartacus.Database</a:t>
+            </a:r>
+            <a:endParaRPr lang="x-none" altLang="pt-BR"/>
+          </a:p>
+          <a:p>
+            <a:pPr lvl="1"/>
+            <a:r>
+              <a:rPr lang="x-none" altLang="pt-BR"/>
+              <a:t>Spartacus.Forms</a:t>
+            </a:r>
+            <a:endParaRPr lang="x-none" altLang="pt-BR"/>
+          </a:p>
+        </p:txBody>
+      </p:sp>
     </p:spTree>
   </p:cSld>
   <p:clrMapOvr>
